--- a/PPTs/08 Forms.pptx
+++ b/PPTs/08 Forms.pptx
@@ -5,7 +5,7 @@
     <p:sldMasterId id="2147483672" r:id="rId1"/>
   </p:sldMasterIdLst>
   <p:notesMasterIdLst>
-    <p:notesMasterId r:id="rId25"/>
+    <p:notesMasterId r:id="rId26"/>
   </p:notesMasterIdLst>
   <p:sldIdLst>
     <p:sldId id="256" r:id="rId2"/>
@@ -29,8 +29,9 @@
     <p:sldId id="312" r:id="rId20"/>
     <p:sldId id="313" r:id="rId21"/>
     <p:sldId id="315" r:id="rId22"/>
-    <p:sldId id="314" r:id="rId23"/>
-    <p:sldId id="316" r:id="rId24"/>
+    <p:sldId id="317" r:id="rId23"/>
+    <p:sldId id="314" r:id="rId24"/>
+    <p:sldId id="316" r:id="rId25"/>
   </p:sldIdLst>
   <p:sldSz cx="9144000" cy="6858000" type="screen4x3"/>
   <p:notesSz cx="6858000" cy="9144000"/>
@@ -148,10 +149,6 @@
 </p:presentation>
 </file>
 
-<file path=ppt/revisionInfo.xml><?xml version="1.0" encoding="utf-8"?>
-<p1510:revInfo xmlns:a="http://schemas.openxmlformats.org/drawingml/2006/main" xmlns:r="http://schemas.openxmlformats.org/officeDocument/2006/relationships" xmlns:p1510="http://schemas.microsoft.com/office/powerpoint/2015/10/main"/>
-</file>
-
 <file path=ppt/notesMasters/notesMaster1.xml><?xml version="1.0" encoding="utf-8"?>
 <p:notesMaster xmlns:a="http://schemas.openxmlformats.org/drawingml/2006/main" xmlns:r="http://schemas.openxmlformats.org/officeDocument/2006/relationships" xmlns:p="http://schemas.openxmlformats.org/presentationml/2006/main">
   <p:cSld>
@@ -235,7 +232,7 @@
             <a:fld id="{4991502B-FFA8-47B9-B4E5-980CA415BAFF}" type="datetimeFigureOut">
               <a:rPr lang="en-US" smtClean="0"/>
               <a:pPr/>
-              <a:t>6/11/2017</a:t>
+              <a:t>5/15/2018</a:t>
             </a:fld>
             <a:endParaRPr lang="en-US"/>
           </a:p>
@@ -5503,19 +5500,19 @@
           <a:p>
             <a:r>
               <a:rPr lang="en-US" dirty="0"/>
-              <a:t>The submit button need to validate all inputs</a:t>
+              <a:t>Once submit button is clicked need to validate all inputs</a:t>
             </a:r>
           </a:p>
           <a:p>
             <a:r>
               <a:rPr lang="en-US" dirty="0"/>
-              <a:t>Therefore, Angular allows you to group multiple inputs under a single form tag</a:t>
+              <a:t>Angular allows you to group multiple inputs under a single form tag</a:t>
             </a:r>
           </a:p>
           <a:p>
             <a:r>
               <a:rPr lang="en-US" dirty="0"/>
-              <a:t>The form can queried </a:t>
+              <a:t>The form can be queried </a:t>
             </a:r>
           </a:p>
           <a:p>
@@ -7581,7 +7578,7 @@
             </a:r>
             <a:r>
               <a:rPr lang="en-US" dirty="0"/>
-              <a:t> cannot be attached to custom component</a:t>
+              <a:t> cannot be attached to a custom component</a:t>
             </a:r>
           </a:p>
           <a:p>
@@ -13997,7 +13994,27 @@
           <a:p>
             <a:r>
               <a:rPr lang="en-US" dirty="0"/>
-              <a:t>Angular provides a dedicated package named @angular/forms the ability to handle forms</a:t>
+              <a:t>Angular provides a dedicated package named </a:t>
+            </a:r>
+            <a:r>
+              <a:rPr lang="en-US" dirty="0">
+                <a:solidFill>
+                  <a:srgbClr val="FF0000"/>
+                </a:solidFill>
+              </a:rPr>
+              <a:t>@angular/forms </a:t>
+            </a:r>
+            <a:r>
+              <a:rPr lang="en-US" dirty="0"/>
+              <a:t>for </a:t>
+            </a:r>
+            <a:r>
+              <a:rPr lang="en-US" dirty="0" err="1"/>
+              <a:t>handlig</a:t>
+            </a:r>
+            <a:r>
+              <a:rPr lang="en-US" dirty="0"/>
+              <a:t> forms</a:t>
             </a:r>
           </a:p>
           <a:p>
@@ -15183,7 +15200,11 @@
               <a:t>Each </a:t>
             </a:r>
             <a:r>
-              <a:rPr lang="en-US" dirty="0" err="1"/>
+              <a:rPr lang="en-US" dirty="0" err="1">
+                <a:solidFill>
+                  <a:srgbClr val="FF0000"/>
+                </a:solidFill>
+              </a:rPr>
               <a:t>FormControl</a:t>
             </a:r>
             <a:r>
@@ -15208,14 +15229,20 @@
       </p:sp>
       <p:sp>
         <p:nvSpPr>
-          <p:cNvPr id="6" name="Rectangle 5"/>
+          <p:cNvPr id="7" name="Rectangle 6">
+            <a:extLst>
+              <a:ext uri="{FF2B5EF4-FFF2-40B4-BE49-F238E27FC236}">
+                <a16:creationId xmlns:a16="http://schemas.microsoft.com/office/drawing/2014/main" id="{D7435979-7779-4F21-9CAD-A1DE64745EB6}"/>
+              </a:ext>
+            </a:extLst>
+          </p:cNvPr>
           <p:cNvSpPr/>
           <p:nvPr/>
         </p:nvSpPr>
         <p:spPr>
           <a:xfrm>
-            <a:off x="2403348" y="3501008"/>
-            <a:ext cx="4572000" cy="1815882"/>
+            <a:off x="1363646" y="3497802"/>
+            <a:ext cx="6651404" cy="1754326"/>
           </a:xfrm>
           <a:prstGeom prst="rect">
             <a:avLst/>
@@ -15228,144 +15255,573 @@
           </a:solidFill>
         </p:spPr>
         <p:txBody>
-          <a:bodyPr>
+          <a:bodyPr wrap="square">
             <a:spAutoFit/>
           </a:bodyPr>
           <a:lstStyle/>
           <a:p>
             <a:r>
-              <a:rPr lang="en-US" sz="1400" b="1" dirty="0">
+              <a:rPr lang="en-US" sz="1200" b="1" dirty="0">
                 <a:solidFill>
                   <a:srgbClr val="000080"/>
                 </a:solidFill>
-                <a:latin typeface="Calibri" panose="020F0502020204030204" pitchFamily="34" charset="0"/>
-                <a:ea typeface="Calibri" panose="020F0502020204030204" pitchFamily="34" charset="0"/>
-                <a:cs typeface="Arial" panose="020B0604020202020204" pitchFamily="34" charset="0"/>
+                <a:latin typeface="Courier New" panose="02070309020205020404" pitchFamily="49" charset="0"/>
+                <a:ea typeface="Times New Roman" panose="02020603050405020304" pitchFamily="18" charset="0"/>
               </a:rPr>
               <a:t>function </a:t>
             </a:r>
             <a:r>
-              <a:rPr lang="en-US" sz="1400" i="1" dirty="0">
-                <a:solidFill>
-                  <a:srgbClr val="000000"/>
-                </a:solidFill>
-                <a:latin typeface="Calibri" panose="020F0502020204030204" pitchFamily="34" charset="0"/>
-                <a:ea typeface="Calibri" panose="020F0502020204030204" pitchFamily="34" charset="0"/>
-                <a:cs typeface="Arial" panose="020B0604020202020204" pitchFamily="34" charset="0"/>
-              </a:rPr>
-              <a:t>validate</a:t>
-            </a:r>
-            <a:r>
-              <a:rPr lang="en-US" sz="1400" dirty="0">
-                <a:solidFill>
-                  <a:srgbClr val="000000"/>
-                </a:solidFill>
-                <a:latin typeface="Calibri" panose="020F0502020204030204" pitchFamily="34" charset="0"/>
-                <a:ea typeface="Calibri" panose="020F0502020204030204" pitchFamily="34" charset="0"/>
-                <a:cs typeface="Arial" panose="020B0604020202020204" pitchFamily="34" charset="0"/>
+              <a:rPr lang="en-US" sz="1200" i="1" dirty="0">
+                <a:solidFill>
+                  <a:srgbClr val="000000"/>
+                </a:solidFill>
+                <a:latin typeface="Courier New" panose="02070309020205020404" pitchFamily="49" charset="0"/>
+                <a:ea typeface="Times New Roman" panose="02020603050405020304" pitchFamily="18" charset="0"/>
+              </a:rPr>
+              <a:t>range</a:t>
+            </a:r>
+            <a:r>
+              <a:rPr lang="en-US" sz="1200" dirty="0">
+                <a:solidFill>
+                  <a:srgbClr val="000000"/>
+                </a:solidFill>
+                <a:latin typeface="Courier New" panose="02070309020205020404" pitchFamily="49" charset="0"/>
+                <a:ea typeface="Times New Roman" panose="02020603050405020304" pitchFamily="18" charset="0"/>
+              </a:rPr>
+              <a:t>(from: </a:t>
+            </a:r>
+            <a:r>
+              <a:rPr lang="en-US" sz="1200" b="1" dirty="0">
+                <a:solidFill>
+                  <a:srgbClr val="000080"/>
+                </a:solidFill>
+                <a:latin typeface="Courier New" panose="02070309020205020404" pitchFamily="49" charset="0"/>
+                <a:ea typeface="Times New Roman" panose="02020603050405020304" pitchFamily="18" charset="0"/>
+              </a:rPr>
+              <a:t>number</a:t>
+            </a:r>
+            <a:r>
+              <a:rPr lang="en-US" sz="1200" dirty="0">
+                <a:solidFill>
+                  <a:srgbClr val="000000"/>
+                </a:solidFill>
+                <a:latin typeface="Courier New" panose="02070309020205020404" pitchFamily="49" charset="0"/>
+                <a:ea typeface="Times New Roman" panose="02020603050405020304" pitchFamily="18" charset="0"/>
+              </a:rPr>
+              <a:t>, to: </a:t>
+            </a:r>
+            <a:r>
+              <a:rPr lang="en-US" sz="1200" b="1" dirty="0">
+                <a:solidFill>
+                  <a:srgbClr val="000080"/>
+                </a:solidFill>
+                <a:latin typeface="Courier New" panose="02070309020205020404" pitchFamily="49" charset="0"/>
+                <a:ea typeface="Times New Roman" panose="02020603050405020304" pitchFamily="18" charset="0"/>
+              </a:rPr>
+              <a:t>number</a:t>
+            </a:r>
+            <a:r>
+              <a:rPr lang="en-US" sz="1200" dirty="0">
+                <a:solidFill>
+                  <a:srgbClr val="000000"/>
+                </a:solidFill>
+                <a:latin typeface="Courier New" panose="02070309020205020404" pitchFamily="49" charset="0"/>
+                <a:ea typeface="Times New Roman" panose="02020603050405020304" pitchFamily="18" charset="0"/>
+              </a:rPr>
+              <a:t>): </a:t>
+            </a:r>
+            <a:r>
+              <a:rPr lang="en-US" sz="1200" dirty="0" err="1">
+                <a:solidFill>
+                  <a:srgbClr val="000000"/>
+                </a:solidFill>
+                <a:latin typeface="Courier New" panose="02070309020205020404" pitchFamily="49" charset="0"/>
+                <a:ea typeface="Times New Roman" panose="02020603050405020304" pitchFamily="18" charset="0"/>
+              </a:rPr>
+              <a:t>ValidatorFn</a:t>
+            </a:r>
+            <a:r>
+              <a:rPr lang="en-US" sz="1200" dirty="0">
+                <a:solidFill>
+                  <a:srgbClr val="000000"/>
+                </a:solidFill>
+                <a:latin typeface="Courier New" panose="02070309020205020404" pitchFamily="49" charset="0"/>
+                <a:ea typeface="Times New Roman" panose="02020603050405020304" pitchFamily="18" charset="0"/>
+              </a:rPr>
+              <a:t> {</a:t>
+            </a:r>
+            <a:br>
+              <a:rPr lang="en-US" sz="1200" dirty="0">
+                <a:solidFill>
+                  <a:srgbClr val="000000"/>
+                </a:solidFill>
+                <a:latin typeface="Courier New" panose="02070309020205020404" pitchFamily="49" charset="0"/>
+                <a:ea typeface="Times New Roman" panose="02020603050405020304" pitchFamily="18" charset="0"/>
+              </a:rPr>
+            </a:br>
+            <a:r>
+              <a:rPr lang="en-US" sz="1200" dirty="0">
+                <a:solidFill>
+                  <a:srgbClr val="000000"/>
+                </a:solidFill>
+                <a:latin typeface="Courier New" panose="02070309020205020404" pitchFamily="49" charset="0"/>
+                <a:ea typeface="Times New Roman" panose="02020603050405020304" pitchFamily="18" charset="0"/>
+              </a:rPr>
+              <a:t>  </a:t>
+            </a:r>
+            <a:r>
+              <a:rPr lang="en-US" sz="1200" b="1" dirty="0">
+                <a:solidFill>
+                  <a:srgbClr val="000080"/>
+                </a:solidFill>
+                <a:latin typeface="Courier New" panose="02070309020205020404" pitchFamily="49" charset="0"/>
+                <a:ea typeface="Times New Roman" panose="02020603050405020304" pitchFamily="18" charset="0"/>
+              </a:rPr>
+              <a:t>return function</a:t>
+            </a:r>
+            <a:r>
+              <a:rPr lang="en-US" sz="1200" dirty="0">
+                <a:solidFill>
+                  <a:srgbClr val="000000"/>
+                </a:solidFill>
+                <a:latin typeface="Courier New" panose="02070309020205020404" pitchFamily="49" charset="0"/>
+                <a:ea typeface="Times New Roman" panose="02020603050405020304" pitchFamily="18" charset="0"/>
+              </a:rPr>
+              <a:t>(control: </a:t>
+            </a:r>
+            <a:r>
+              <a:rPr lang="en-US" sz="1200" dirty="0" err="1">
+                <a:solidFill>
+                  <a:srgbClr val="000000"/>
+                </a:solidFill>
+                <a:latin typeface="Courier New" panose="02070309020205020404" pitchFamily="49" charset="0"/>
+                <a:ea typeface="Times New Roman" panose="02020603050405020304" pitchFamily="18" charset="0"/>
+              </a:rPr>
+              <a:t>AbstractControl</a:t>
+            </a:r>
+            <a:r>
+              <a:rPr lang="en-US" sz="1200" dirty="0">
+                <a:solidFill>
+                  <a:srgbClr val="000000"/>
+                </a:solidFill>
+                <a:latin typeface="Courier New" panose="02070309020205020404" pitchFamily="49" charset="0"/>
+                <a:ea typeface="Times New Roman" panose="02020603050405020304" pitchFamily="18" charset="0"/>
+              </a:rPr>
+              <a:t>): </a:t>
+            </a:r>
+            <a:r>
+              <a:rPr lang="en-US" sz="1200" dirty="0" err="1">
+                <a:solidFill>
+                  <a:srgbClr val="000000"/>
+                </a:solidFill>
+                <a:latin typeface="Courier New" panose="02070309020205020404" pitchFamily="49" charset="0"/>
+                <a:ea typeface="Times New Roman" panose="02020603050405020304" pitchFamily="18" charset="0"/>
+              </a:rPr>
+              <a:t>ValidationErrors</a:t>
+            </a:r>
+            <a:r>
+              <a:rPr lang="en-US" sz="1200" dirty="0">
+                <a:solidFill>
+                  <a:srgbClr val="000000"/>
+                </a:solidFill>
+                <a:latin typeface="Courier New" panose="02070309020205020404" pitchFamily="49" charset="0"/>
+                <a:ea typeface="Times New Roman" panose="02020603050405020304" pitchFamily="18" charset="0"/>
+              </a:rPr>
+              <a:t> | </a:t>
+            </a:r>
+            <a:r>
+              <a:rPr lang="en-US" sz="1200" b="1" dirty="0">
+                <a:solidFill>
+                  <a:srgbClr val="000080"/>
+                </a:solidFill>
+                <a:latin typeface="Courier New" panose="02070309020205020404" pitchFamily="49" charset="0"/>
+                <a:ea typeface="Times New Roman" panose="02020603050405020304" pitchFamily="18" charset="0"/>
+              </a:rPr>
+              <a:t>null </a:t>
+            </a:r>
+            <a:r>
+              <a:rPr lang="en-US" sz="1200" dirty="0">
+                <a:solidFill>
+                  <a:srgbClr val="000000"/>
+                </a:solidFill>
+                <a:latin typeface="Courier New" panose="02070309020205020404" pitchFamily="49" charset="0"/>
+                <a:ea typeface="Times New Roman" panose="02020603050405020304" pitchFamily="18" charset="0"/>
+              </a:rPr>
+              <a:t>{</a:t>
+            </a:r>
+            <a:br>
+              <a:rPr lang="en-US" sz="1200" dirty="0">
+                <a:solidFill>
+                  <a:srgbClr val="000000"/>
+                </a:solidFill>
+                <a:latin typeface="Courier New" panose="02070309020205020404" pitchFamily="49" charset="0"/>
+                <a:ea typeface="Times New Roman" panose="02020603050405020304" pitchFamily="18" charset="0"/>
+              </a:rPr>
+            </a:br>
+            <a:r>
+              <a:rPr lang="en-US" sz="1200" dirty="0">
+                <a:solidFill>
+                  <a:srgbClr val="000000"/>
+                </a:solidFill>
+                <a:latin typeface="Courier New" panose="02070309020205020404" pitchFamily="49" charset="0"/>
+                <a:ea typeface="Times New Roman" panose="02020603050405020304" pitchFamily="18" charset="0"/>
+              </a:rPr>
+              <a:t>    </a:t>
+            </a:r>
+            <a:r>
+              <a:rPr lang="en-US" sz="1200" b="1" dirty="0">
+                <a:solidFill>
+                  <a:srgbClr val="000080"/>
+                </a:solidFill>
+                <a:latin typeface="Courier New" panose="02070309020205020404" pitchFamily="49" charset="0"/>
+                <a:ea typeface="Times New Roman" panose="02020603050405020304" pitchFamily="18" charset="0"/>
+              </a:rPr>
+              <a:t>if</a:t>
+            </a:r>
+            <a:r>
+              <a:rPr lang="en-US" sz="1200" dirty="0">
+                <a:solidFill>
+                  <a:srgbClr val="000000"/>
+                </a:solidFill>
+                <a:latin typeface="Courier New" panose="02070309020205020404" pitchFamily="49" charset="0"/>
+                <a:ea typeface="Times New Roman" panose="02020603050405020304" pitchFamily="18" charset="0"/>
               </a:rPr>
               <a:t>(</a:t>
             </a:r>
             <a:r>
-              <a:rPr lang="en-US" sz="1400" dirty="0" err="1">
-                <a:solidFill>
-                  <a:srgbClr val="000000"/>
-                </a:solidFill>
-                <a:latin typeface="Calibri" panose="020F0502020204030204" pitchFamily="34" charset="0"/>
-                <a:ea typeface="Calibri" panose="020F0502020204030204" pitchFamily="34" charset="0"/>
-                <a:cs typeface="Arial" panose="020B0604020202020204" pitchFamily="34" charset="0"/>
-              </a:rPr>
-              <a:t>control:FormControl</a:t>
-            </a:r>
-            <a:r>
-              <a:rPr lang="en-US" sz="1400" dirty="0">
-                <a:solidFill>
-                  <a:srgbClr val="000000"/>
-                </a:solidFill>
-                <a:latin typeface="Calibri" panose="020F0502020204030204" pitchFamily="34" charset="0"/>
-                <a:ea typeface="Calibri" panose="020F0502020204030204" pitchFamily="34" charset="0"/>
-                <a:cs typeface="Arial" panose="020B0604020202020204" pitchFamily="34" charset="0"/>
-              </a:rPr>
-              <a:t>):{[</a:t>
-            </a:r>
-            <a:r>
-              <a:rPr lang="en-US" sz="1400" b="1" dirty="0" err="1">
+              <a:rPr lang="en-US" sz="1200" dirty="0" err="1">
+                <a:solidFill>
+                  <a:srgbClr val="000000"/>
+                </a:solidFill>
+                <a:latin typeface="Courier New" panose="02070309020205020404" pitchFamily="49" charset="0"/>
+                <a:ea typeface="Times New Roman" panose="02020603050405020304" pitchFamily="18" charset="0"/>
+              </a:rPr>
+              <a:t>control.</a:t>
+            </a:r>
+            <a:r>
+              <a:rPr lang="en-US" sz="1200" b="1" dirty="0" err="1">
                 <a:solidFill>
                   <a:srgbClr val="660E7A"/>
                 </a:solidFill>
-                <a:latin typeface="Calibri" panose="020F0502020204030204" pitchFamily="34" charset="0"/>
-                <a:ea typeface="Calibri" panose="020F0502020204030204" pitchFamily="34" charset="0"/>
-                <a:cs typeface="Arial" panose="020B0604020202020204" pitchFamily="34" charset="0"/>
-              </a:rPr>
-              <a:t>key</a:t>
-            </a:r>
-            <a:r>
-              <a:rPr lang="en-US" sz="1400" dirty="0" err="1">
-                <a:solidFill>
-                  <a:srgbClr val="000000"/>
-                </a:solidFill>
-                <a:latin typeface="Calibri" panose="020F0502020204030204" pitchFamily="34" charset="0"/>
-                <a:ea typeface="Calibri" panose="020F0502020204030204" pitchFamily="34" charset="0"/>
-                <a:cs typeface="Arial" panose="020B0604020202020204" pitchFamily="34" charset="0"/>
-              </a:rPr>
-              <a:t>:</a:t>
-            </a:r>
-            <a:r>
-              <a:rPr lang="en-US" sz="1400" b="1" dirty="0" err="1">
+                <a:latin typeface="Courier New" panose="02070309020205020404" pitchFamily="49" charset="0"/>
+                <a:ea typeface="Times New Roman" panose="02020603050405020304" pitchFamily="18" charset="0"/>
+              </a:rPr>
+              <a:t>value</a:t>
+            </a:r>
+            <a:r>
+              <a:rPr lang="en-US" sz="1200" dirty="0">
+                <a:solidFill>
+                  <a:srgbClr val="000000"/>
+                </a:solidFill>
+                <a:latin typeface="Courier New" panose="02070309020205020404" pitchFamily="49" charset="0"/>
+                <a:ea typeface="Times New Roman" panose="02020603050405020304" pitchFamily="18" charset="0"/>
+              </a:rPr>
+              <a:t>&lt;from ||</a:t>
+            </a:r>
+            <a:r>
+              <a:rPr lang="en-US" sz="1200" dirty="0" err="1">
+                <a:solidFill>
+                  <a:srgbClr val="000000"/>
+                </a:solidFill>
+                <a:latin typeface="Courier New" panose="02070309020205020404" pitchFamily="49" charset="0"/>
+                <a:ea typeface="Times New Roman" panose="02020603050405020304" pitchFamily="18" charset="0"/>
+              </a:rPr>
+              <a:t>control.</a:t>
+            </a:r>
+            <a:r>
+              <a:rPr lang="en-US" sz="1200" b="1" dirty="0" err="1">
+                <a:solidFill>
+                  <a:srgbClr val="660E7A"/>
+                </a:solidFill>
+                <a:latin typeface="Courier New" panose="02070309020205020404" pitchFamily="49" charset="0"/>
+                <a:ea typeface="Times New Roman" panose="02020603050405020304" pitchFamily="18" charset="0"/>
+              </a:rPr>
+              <a:t>value</a:t>
+            </a:r>
+            <a:r>
+              <a:rPr lang="en-US" sz="1200" dirty="0">
+                <a:solidFill>
+                  <a:srgbClr val="000000"/>
+                </a:solidFill>
+                <a:latin typeface="Courier New" panose="02070309020205020404" pitchFamily="49" charset="0"/>
+                <a:ea typeface="Times New Roman" panose="02020603050405020304" pitchFamily="18" charset="0"/>
+              </a:rPr>
+              <a:t>&gt;=to) {</a:t>
+            </a:r>
+            <a:br>
+              <a:rPr lang="en-US" sz="1200" dirty="0">
+                <a:solidFill>
+                  <a:srgbClr val="000000"/>
+                </a:solidFill>
+                <a:latin typeface="Courier New" panose="02070309020205020404" pitchFamily="49" charset="0"/>
+                <a:ea typeface="Times New Roman" panose="02020603050405020304" pitchFamily="18" charset="0"/>
+              </a:rPr>
+            </a:br>
+            <a:r>
+              <a:rPr lang="en-US" sz="1200" dirty="0">
+                <a:solidFill>
+                  <a:srgbClr val="000000"/>
+                </a:solidFill>
+                <a:latin typeface="Courier New" panose="02070309020205020404" pitchFamily="49" charset="0"/>
+                <a:ea typeface="Times New Roman" panose="02020603050405020304" pitchFamily="18" charset="0"/>
+              </a:rPr>
+              <a:t>      </a:t>
+            </a:r>
+            <a:r>
+              <a:rPr lang="en-US" sz="1200" b="1" dirty="0">
                 <a:solidFill>
                   <a:srgbClr val="000080"/>
                 </a:solidFill>
-                <a:latin typeface="Calibri" panose="020F0502020204030204" pitchFamily="34" charset="0"/>
-                <a:ea typeface="Calibri" panose="020F0502020204030204" pitchFamily="34" charset="0"/>
-                <a:cs typeface="Arial" panose="020B0604020202020204" pitchFamily="34" charset="0"/>
-              </a:rPr>
-              <a:t>string</a:t>
-            </a:r>
-            <a:r>
-              <a:rPr lang="en-US" sz="1400" dirty="0">
-                <a:solidFill>
-                  <a:srgbClr val="000000"/>
-                </a:solidFill>
-                <a:latin typeface="Calibri" panose="020F0502020204030204" pitchFamily="34" charset="0"/>
-                <a:ea typeface="Calibri" panose="020F0502020204030204" pitchFamily="34" charset="0"/>
-                <a:cs typeface="Arial" panose="020B0604020202020204" pitchFamily="34" charset="0"/>
-              </a:rPr>
-              <a:t>]:</a:t>
-            </a:r>
-            <a:r>
-              <a:rPr lang="en-US" sz="1400" b="1" dirty="0" err="1">
+                <a:latin typeface="Courier New" panose="02070309020205020404" pitchFamily="49" charset="0"/>
+                <a:ea typeface="Times New Roman" panose="02020603050405020304" pitchFamily="18" charset="0"/>
+              </a:rPr>
+              <a:t>return </a:t>
+            </a:r>
+            <a:r>
+              <a:rPr lang="en-US" sz="1200" dirty="0">
+                <a:solidFill>
+                  <a:srgbClr val="000000"/>
+                </a:solidFill>
+                <a:latin typeface="Courier New" panose="02070309020205020404" pitchFamily="49" charset="0"/>
+                <a:ea typeface="Times New Roman" panose="02020603050405020304" pitchFamily="18" charset="0"/>
+              </a:rPr>
+              <a:t>{</a:t>
+            </a:r>
+            <a:br>
+              <a:rPr lang="en-US" sz="1200" dirty="0">
+                <a:solidFill>
+                  <a:srgbClr val="000000"/>
+                </a:solidFill>
+                <a:latin typeface="Courier New" panose="02070309020205020404" pitchFamily="49" charset="0"/>
+                <a:ea typeface="Times New Roman" panose="02020603050405020304" pitchFamily="18" charset="0"/>
+              </a:rPr>
+            </a:br>
+            <a:r>
+              <a:rPr lang="en-US" sz="1200" dirty="0">
+                <a:solidFill>
+                  <a:srgbClr val="000000"/>
+                </a:solidFill>
+                <a:latin typeface="Courier New" panose="02070309020205020404" pitchFamily="49" charset="0"/>
+                <a:ea typeface="Times New Roman" panose="02020603050405020304" pitchFamily="18" charset="0"/>
+              </a:rPr>
+              <a:t>        </a:t>
+            </a:r>
+            <a:r>
+              <a:rPr lang="en-US" sz="1200" b="1" dirty="0">
+                <a:solidFill>
+                  <a:srgbClr val="660E7A"/>
+                </a:solidFill>
+                <a:latin typeface="Courier New" panose="02070309020205020404" pitchFamily="49" charset="0"/>
+                <a:ea typeface="Times New Roman" panose="02020603050405020304" pitchFamily="18" charset="0"/>
+              </a:rPr>
+              <a:t>range</a:t>
+            </a:r>
+            <a:r>
+              <a:rPr lang="en-US" sz="1200" dirty="0">
+                <a:solidFill>
+                  <a:srgbClr val="000000"/>
+                </a:solidFill>
+                <a:latin typeface="Courier New" panose="02070309020205020404" pitchFamily="49" charset="0"/>
+                <a:ea typeface="Times New Roman" panose="02020603050405020304" pitchFamily="18" charset="0"/>
+              </a:rPr>
+              <a:t>: </a:t>
+            </a:r>
+            <a:r>
+              <a:rPr lang="en-US" sz="1200" b="1" dirty="0">
                 <a:solidFill>
                   <a:srgbClr val="000080"/>
                 </a:solidFill>
-                <a:latin typeface="Calibri" panose="020F0502020204030204" pitchFamily="34" charset="0"/>
-                <a:ea typeface="Calibri" panose="020F0502020204030204" pitchFamily="34" charset="0"/>
-                <a:cs typeface="Arial" panose="020B0604020202020204" pitchFamily="34" charset="0"/>
-              </a:rPr>
-              <a:t>boolean</a:t>
-            </a:r>
-            <a:r>
-              <a:rPr lang="en-US" sz="1400" dirty="0">
-                <a:solidFill>
-                  <a:srgbClr val="000000"/>
-                </a:solidFill>
-                <a:latin typeface="Calibri" panose="020F0502020204030204" pitchFamily="34" charset="0"/>
-                <a:ea typeface="Calibri" panose="020F0502020204030204" pitchFamily="34" charset="0"/>
-                <a:cs typeface="Arial" panose="020B0604020202020204" pitchFamily="34" charset="0"/>
-              </a:rPr>
-              <a:t>} {</a:t>
+                <a:latin typeface="Courier New" panose="02070309020205020404" pitchFamily="49" charset="0"/>
+                <a:ea typeface="Times New Roman" panose="02020603050405020304" pitchFamily="18" charset="0"/>
+              </a:rPr>
+              <a:t>true</a:t>
+            </a:r>
+            <a:r>
+              <a:rPr lang="en-US" sz="1200" dirty="0">
+                <a:solidFill>
+                  <a:srgbClr val="000000"/>
+                </a:solidFill>
+                <a:latin typeface="Courier New" panose="02070309020205020404" pitchFamily="49" charset="0"/>
+                <a:ea typeface="Times New Roman" panose="02020603050405020304" pitchFamily="18" charset="0"/>
+              </a:rPr>
+              <a:t>,</a:t>
             </a:r>
             <a:br>
-              <a:rPr lang="en-US" sz="1400" dirty="0">
-                <a:solidFill>
-                  <a:srgbClr val="000000"/>
-                </a:solidFill>
-                <a:latin typeface="Calibri" panose="020F0502020204030204" pitchFamily="34" charset="0"/>
-                <a:ea typeface="Calibri" panose="020F0502020204030204" pitchFamily="34" charset="0"/>
-                <a:cs typeface="Arial" panose="020B0604020202020204" pitchFamily="34" charset="0"/>
+              <a:rPr lang="en-US" sz="1200" dirty="0">
+                <a:solidFill>
+                  <a:srgbClr val="000000"/>
+                </a:solidFill>
+                <a:latin typeface="Courier New" panose="02070309020205020404" pitchFamily="49" charset="0"/>
+                <a:ea typeface="Times New Roman" panose="02020603050405020304" pitchFamily="18" charset="0"/>
               </a:rPr>
             </a:br>
             <a:r>
-              <a:rPr lang="en-US" sz="1400" dirty="0">
+              <a:rPr lang="en-US" sz="1200" dirty="0">
+                <a:solidFill>
+                  <a:srgbClr val="000000"/>
+                </a:solidFill>
+                <a:latin typeface="Courier New" panose="02070309020205020404" pitchFamily="49" charset="0"/>
+                <a:ea typeface="Times New Roman" panose="02020603050405020304" pitchFamily="18" charset="0"/>
+              </a:rPr>
+              <a:t>      }</a:t>
+            </a:r>
+            <a:br>
+              <a:rPr lang="en-US" sz="1200" dirty="0">
+                <a:solidFill>
+                  <a:srgbClr val="000000"/>
+                </a:solidFill>
+                <a:latin typeface="Courier New" panose="02070309020205020404" pitchFamily="49" charset="0"/>
+                <a:ea typeface="Times New Roman" panose="02020603050405020304" pitchFamily="18" charset="0"/>
+              </a:rPr>
+            </a:br>
+            <a:r>
+              <a:rPr lang="en-US" sz="1200" dirty="0">
+                <a:solidFill>
+                  <a:srgbClr val="000000"/>
+                </a:solidFill>
+                <a:latin typeface="Courier New" panose="02070309020205020404" pitchFamily="49" charset="0"/>
+                <a:ea typeface="Times New Roman" panose="02020603050405020304" pitchFamily="18" charset="0"/>
+              </a:rPr>
+              <a:t>    }</a:t>
+            </a:r>
+            <a:br>
+              <a:rPr lang="en-US" sz="1200" dirty="0">
+                <a:solidFill>
+                  <a:srgbClr val="000000"/>
+                </a:solidFill>
+                <a:latin typeface="Courier New" panose="02070309020205020404" pitchFamily="49" charset="0"/>
+                <a:ea typeface="Times New Roman" panose="02020603050405020304" pitchFamily="18" charset="0"/>
+              </a:rPr>
+            </a:br>
+            <a:r>
+              <a:rPr lang="en-US" sz="1200" dirty="0">
+                <a:solidFill>
+                  <a:srgbClr val="000000"/>
+                </a:solidFill>
+                <a:latin typeface="Courier New" panose="02070309020205020404" pitchFamily="49" charset="0"/>
+                <a:ea typeface="Times New Roman" panose="02020603050405020304" pitchFamily="18" charset="0"/>
+              </a:rPr>
+              <a:t>  }</a:t>
+            </a:r>
+            <a:br>
+              <a:rPr lang="en-US" sz="1200" dirty="0">
+                <a:solidFill>
+                  <a:srgbClr val="000000"/>
+                </a:solidFill>
+                <a:latin typeface="Courier New" panose="02070309020205020404" pitchFamily="49" charset="0"/>
+                <a:ea typeface="Times New Roman" panose="02020603050405020304" pitchFamily="18" charset="0"/>
+              </a:rPr>
+            </a:br>
+            <a:r>
+              <a:rPr lang="en-US" sz="1200" dirty="0">
+                <a:solidFill>
+                  <a:srgbClr val="000000"/>
+                </a:solidFill>
+                <a:latin typeface="Courier New" panose="02070309020205020404" pitchFamily="49" charset="0"/>
+                <a:ea typeface="Times New Roman" panose="02020603050405020304" pitchFamily="18" charset="0"/>
+              </a:rPr>
+              <a:t>}</a:t>
+            </a:r>
+            <a:endParaRPr lang="he-IL" sz="1200" dirty="0"/>
+          </a:p>
+        </p:txBody>
+      </p:sp>
+      <p:sp>
+        <p:nvSpPr>
+          <p:cNvPr id="8" name="Rectangle 7">
+            <a:extLst>
+              <a:ext uri="{FF2B5EF4-FFF2-40B4-BE49-F238E27FC236}">
+                <a16:creationId xmlns:a16="http://schemas.microsoft.com/office/drawing/2014/main" id="{2FB5BA1D-3D7F-40EF-8FCC-C50F09BBE5CE}"/>
+              </a:ext>
+            </a:extLst>
+          </p:cNvPr>
+          <p:cNvSpPr/>
+          <p:nvPr/>
+        </p:nvSpPr>
+        <p:spPr>
+          <a:xfrm>
+            <a:off x="5960533" y="4374965"/>
+            <a:ext cx="2430016" cy="1569660"/>
+          </a:xfrm>
+          <a:prstGeom prst="rect">
+            <a:avLst/>
+          </a:prstGeom>
+          <a:solidFill>
+            <a:schemeClr val="accent1">
+              <a:lumMod val="40000"/>
+              <a:lumOff val="60000"/>
+            </a:schemeClr>
+          </a:solidFill>
+          <a:effectLst>
+            <a:outerShdw blurRad="63500" sx="102000" sy="102000" algn="ctr" rotWithShape="0">
+              <a:prstClr val="black">
+                <a:alpha val="40000"/>
+              </a:prstClr>
+            </a:outerShdw>
+          </a:effectLst>
+        </p:spPr>
+        <p:txBody>
+          <a:bodyPr wrap="square">
+            <a:spAutoFit/>
+          </a:bodyPr>
+          <a:lstStyle/>
+          <a:p>
+            <a:r>
+              <a:rPr lang="en-US" sz="1200" b="1" dirty="0">
+                <a:solidFill>
+                  <a:srgbClr val="000080"/>
+                </a:solidFill>
+                <a:latin typeface="Calibri" panose="020F0502020204030204" pitchFamily="34" charset="0"/>
+                <a:ea typeface="Calibri" panose="020F0502020204030204" pitchFamily="34" charset="0"/>
+                <a:cs typeface="Arial" panose="020B0604020202020204" pitchFamily="34" charset="0"/>
+              </a:rPr>
+              <a:t>constructor</a:t>
+            </a:r>
+            <a:r>
+              <a:rPr lang="en-US" sz="1200" dirty="0">
+                <a:solidFill>
+                  <a:srgbClr val="000000"/>
+                </a:solidFill>
+                <a:latin typeface="Calibri" panose="020F0502020204030204" pitchFamily="34" charset="0"/>
+                <a:ea typeface="Calibri" panose="020F0502020204030204" pitchFamily="34" charset="0"/>
+                <a:cs typeface="Arial" panose="020B0604020202020204" pitchFamily="34" charset="0"/>
+              </a:rPr>
+              <a:t>(builder: </a:t>
+            </a:r>
+            <a:r>
+              <a:rPr lang="en-US" sz="1200" dirty="0" err="1">
+                <a:solidFill>
+                  <a:srgbClr val="000000"/>
+                </a:solidFill>
+                <a:latin typeface="Calibri" panose="020F0502020204030204" pitchFamily="34" charset="0"/>
+                <a:ea typeface="Calibri" panose="020F0502020204030204" pitchFamily="34" charset="0"/>
+                <a:cs typeface="Arial" panose="020B0604020202020204" pitchFamily="34" charset="0"/>
+              </a:rPr>
+              <a:t>FormBuilder</a:t>
+            </a:r>
+            <a:r>
+              <a:rPr lang="en-US" sz="1200" dirty="0">
+                <a:solidFill>
+                  <a:srgbClr val="000000"/>
+                </a:solidFill>
+                <a:latin typeface="Calibri" panose="020F0502020204030204" pitchFamily="34" charset="0"/>
+                <a:ea typeface="Calibri" panose="020F0502020204030204" pitchFamily="34" charset="0"/>
+                <a:cs typeface="Arial" panose="020B0604020202020204" pitchFamily="34" charset="0"/>
+              </a:rPr>
+              <a:t>) {</a:t>
+            </a:r>
+            <a:br>
+              <a:rPr lang="en-US" sz="1200" dirty="0">
+                <a:solidFill>
+                  <a:srgbClr val="000000"/>
+                </a:solidFill>
+                <a:latin typeface="Calibri" panose="020F0502020204030204" pitchFamily="34" charset="0"/>
+                <a:ea typeface="Calibri" panose="020F0502020204030204" pitchFamily="34" charset="0"/>
+                <a:cs typeface="Arial" panose="020B0604020202020204" pitchFamily="34" charset="0"/>
+              </a:rPr>
+            </a:br>
+            <a:r>
+              <a:rPr lang="en-US" sz="1200" dirty="0">
                 <a:solidFill>
                   <a:srgbClr val="000000"/>
                 </a:solidFill>
@@ -15376,7 +15832,7 @@
               <a:t>  </a:t>
             </a:r>
             <a:r>
-              <a:rPr lang="en-US" sz="1400" b="1" dirty="0">
+              <a:rPr lang="en-US" sz="1200" b="1" dirty="0" err="1">
                 <a:solidFill>
                   <a:srgbClr val="000080"/>
                 </a:solidFill>
@@ -15384,10 +15840,238 @@
                 <a:ea typeface="Calibri" panose="020F0502020204030204" pitchFamily="34" charset="0"/>
                 <a:cs typeface="Arial" panose="020B0604020202020204" pitchFamily="34" charset="0"/>
               </a:rPr>
-              <a:t>if</a:t>
-            </a:r>
-            <a:r>
-              <a:rPr lang="en-US" sz="1400" dirty="0">
+              <a:t>this</a:t>
+            </a:r>
+            <a:r>
+              <a:rPr lang="en-US" sz="1200" dirty="0" err="1">
+                <a:solidFill>
+                  <a:srgbClr val="000000"/>
+                </a:solidFill>
+                <a:latin typeface="Calibri" panose="020F0502020204030204" pitchFamily="34" charset="0"/>
+                <a:ea typeface="Calibri" panose="020F0502020204030204" pitchFamily="34" charset="0"/>
+                <a:cs typeface="Arial" panose="020B0604020202020204" pitchFamily="34" charset="0"/>
+              </a:rPr>
+              <a:t>.</a:t>
+            </a:r>
+            <a:r>
+              <a:rPr lang="en-US" sz="1200" b="1" dirty="0" err="1">
+                <a:solidFill>
+                  <a:srgbClr val="660E7A"/>
+                </a:solidFill>
+                <a:latin typeface="Calibri" panose="020F0502020204030204" pitchFamily="34" charset="0"/>
+                <a:ea typeface="Calibri" panose="020F0502020204030204" pitchFamily="34" charset="0"/>
+                <a:cs typeface="Arial" panose="020B0604020202020204" pitchFamily="34" charset="0"/>
+              </a:rPr>
+              <a:t>formGroup</a:t>
+            </a:r>
+            <a:r>
+              <a:rPr lang="en-US" sz="1200" b="1" dirty="0">
+                <a:solidFill>
+                  <a:srgbClr val="660E7A"/>
+                </a:solidFill>
+                <a:latin typeface="Calibri" panose="020F0502020204030204" pitchFamily="34" charset="0"/>
+                <a:ea typeface="Calibri" panose="020F0502020204030204" pitchFamily="34" charset="0"/>
+                <a:cs typeface="Arial" panose="020B0604020202020204" pitchFamily="34" charset="0"/>
+              </a:rPr>
+              <a:t> </a:t>
+            </a:r>
+            <a:r>
+              <a:rPr lang="en-US" sz="1200" dirty="0">
+                <a:solidFill>
+                  <a:srgbClr val="000000"/>
+                </a:solidFill>
+                <a:latin typeface="Calibri" panose="020F0502020204030204" pitchFamily="34" charset="0"/>
+                <a:ea typeface="Calibri" panose="020F0502020204030204" pitchFamily="34" charset="0"/>
+                <a:cs typeface="Arial" panose="020B0604020202020204" pitchFamily="34" charset="0"/>
+              </a:rPr>
+              <a:t>= </a:t>
+            </a:r>
+            <a:r>
+              <a:rPr lang="en-US" sz="1200" dirty="0" err="1">
+                <a:solidFill>
+                  <a:srgbClr val="000000"/>
+                </a:solidFill>
+                <a:latin typeface="Calibri" panose="020F0502020204030204" pitchFamily="34" charset="0"/>
+                <a:ea typeface="Calibri" panose="020F0502020204030204" pitchFamily="34" charset="0"/>
+                <a:cs typeface="Arial" panose="020B0604020202020204" pitchFamily="34" charset="0"/>
+              </a:rPr>
+              <a:t>builder.</a:t>
+            </a:r>
+            <a:r>
+              <a:rPr lang="en-US" sz="1200" dirty="0" err="1">
+                <a:solidFill>
+                  <a:srgbClr val="7A7A43"/>
+                </a:solidFill>
+                <a:latin typeface="Calibri" panose="020F0502020204030204" pitchFamily="34" charset="0"/>
+                <a:ea typeface="Calibri" panose="020F0502020204030204" pitchFamily="34" charset="0"/>
+                <a:cs typeface="Arial" panose="020B0604020202020204" pitchFamily="34" charset="0"/>
+              </a:rPr>
+              <a:t>group</a:t>
+            </a:r>
+            <a:r>
+              <a:rPr lang="en-US" sz="1200" dirty="0">
+                <a:solidFill>
+                  <a:srgbClr val="000000"/>
+                </a:solidFill>
+                <a:latin typeface="Calibri" panose="020F0502020204030204" pitchFamily="34" charset="0"/>
+                <a:ea typeface="Calibri" panose="020F0502020204030204" pitchFamily="34" charset="0"/>
+                <a:cs typeface="Arial" panose="020B0604020202020204" pitchFamily="34" charset="0"/>
+              </a:rPr>
+              <a:t>({</a:t>
+            </a:r>
+            <a:br>
+              <a:rPr lang="en-US" sz="1200" dirty="0">
+                <a:solidFill>
+                  <a:srgbClr val="000000"/>
+                </a:solidFill>
+                <a:latin typeface="Calibri" panose="020F0502020204030204" pitchFamily="34" charset="0"/>
+                <a:ea typeface="Calibri" panose="020F0502020204030204" pitchFamily="34" charset="0"/>
+                <a:cs typeface="Arial" panose="020B0604020202020204" pitchFamily="34" charset="0"/>
+              </a:rPr>
+            </a:br>
+            <a:r>
+              <a:rPr lang="en-US" sz="1200" dirty="0">
+                <a:solidFill>
+                  <a:srgbClr val="000000"/>
+                </a:solidFill>
+                <a:latin typeface="Calibri" panose="020F0502020204030204" pitchFamily="34" charset="0"/>
+                <a:ea typeface="Calibri" panose="020F0502020204030204" pitchFamily="34" charset="0"/>
+                <a:cs typeface="Arial" panose="020B0604020202020204" pitchFamily="34" charset="0"/>
+              </a:rPr>
+              <a:t>    </a:t>
+            </a:r>
+            <a:r>
+              <a:rPr lang="en-US" sz="1200" b="1" dirty="0" err="1">
+                <a:solidFill>
+                  <a:srgbClr val="660E7A"/>
+                </a:solidFill>
+                <a:latin typeface="Calibri" panose="020F0502020204030204" pitchFamily="34" charset="0"/>
+                <a:ea typeface="Calibri" panose="020F0502020204030204" pitchFamily="34" charset="0"/>
+                <a:cs typeface="Arial" panose="020B0604020202020204" pitchFamily="34" charset="0"/>
+              </a:rPr>
+              <a:t>userName</a:t>
+            </a:r>
+            <a:r>
+              <a:rPr lang="en-US" sz="1200" dirty="0">
+                <a:solidFill>
+                  <a:srgbClr val="000000"/>
+                </a:solidFill>
+                <a:latin typeface="Calibri" panose="020F0502020204030204" pitchFamily="34" charset="0"/>
+                <a:ea typeface="Calibri" panose="020F0502020204030204" pitchFamily="34" charset="0"/>
+                <a:cs typeface="Arial" panose="020B0604020202020204" pitchFamily="34" charset="0"/>
+              </a:rPr>
+              <a:t>: [</a:t>
+            </a:r>
+            <a:r>
+              <a:rPr lang="en-US" sz="1200" b="1" dirty="0">
+                <a:solidFill>
+                  <a:srgbClr val="008000"/>
+                </a:solidFill>
+                <a:latin typeface="Calibri" panose="020F0502020204030204" pitchFamily="34" charset="0"/>
+                <a:ea typeface="Calibri" panose="020F0502020204030204" pitchFamily="34" charset="0"/>
+                <a:cs typeface="Arial" panose="020B0604020202020204" pitchFamily="34" charset="0"/>
+              </a:rPr>
+              <a:t>""</a:t>
+            </a:r>
+            <a:r>
+              <a:rPr lang="en-US" sz="1200" dirty="0">
+                <a:solidFill>
+                  <a:srgbClr val="000000"/>
+                </a:solidFill>
+                <a:latin typeface="Calibri" panose="020F0502020204030204" pitchFamily="34" charset="0"/>
+                <a:ea typeface="Calibri" panose="020F0502020204030204" pitchFamily="34" charset="0"/>
+                <a:cs typeface="Arial" panose="020B0604020202020204" pitchFamily="34" charset="0"/>
+              </a:rPr>
+              <a:t>, [</a:t>
+            </a:r>
+            <a:br>
+              <a:rPr lang="en-US" sz="1200" dirty="0">
+                <a:solidFill>
+                  <a:srgbClr val="000000"/>
+                </a:solidFill>
+                <a:latin typeface="Calibri" panose="020F0502020204030204" pitchFamily="34" charset="0"/>
+                <a:ea typeface="Calibri" panose="020F0502020204030204" pitchFamily="34" charset="0"/>
+                <a:cs typeface="Arial" panose="020B0604020202020204" pitchFamily="34" charset="0"/>
+              </a:rPr>
+            </a:br>
+            <a:r>
+              <a:rPr lang="en-US" sz="1200" dirty="0">
+                <a:solidFill>
+                  <a:srgbClr val="000000"/>
+                </a:solidFill>
+                <a:latin typeface="Calibri" panose="020F0502020204030204" pitchFamily="34" charset="0"/>
+                <a:ea typeface="Calibri" panose="020F0502020204030204" pitchFamily="34" charset="0"/>
+                <a:cs typeface="Arial" panose="020B0604020202020204" pitchFamily="34" charset="0"/>
+              </a:rPr>
+              <a:t>      </a:t>
+            </a:r>
+            <a:r>
+              <a:rPr lang="en-US" sz="1200" dirty="0" err="1">
+                <a:solidFill>
+                  <a:srgbClr val="000000"/>
+                </a:solidFill>
+                <a:latin typeface="Calibri" panose="020F0502020204030204" pitchFamily="34" charset="0"/>
+                <a:ea typeface="Calibri" panose="020F0502020204030204" pitchFamily="34" charset="0"/>
+                <a:cs typeface="Arial" panose="020B0604020202020204" pitchFamily="34" charset="0"/>
+              </a:rPr>
+              <a:t>Validators.</a:t>
+            </a:r>
+            <a:r>
+              <a:rPr lang="en-US" sz="1200" i="1" dirty="0" err="1">
+                <a:solidFill>
+                  <a:srgbClr val="000000"/>
+                </a:solidFill>
+                <a:latin typeface="Calibri" panose="020F0502020204030204" pitchFamily="34" charset="0"/>
+                <a:ea typeface="Calibri" panose="020F0502020204030204" pitchFamily="34" charset="0"/>
+                <a:cs typeface="Arial" panose="020B0604020202020204" pitchFamily="34" charset="0"/>
+              </a:rPr>
+              <a:t>required</a:t>
+            </a:r>
+            <a:r>
+              <a:rPr lang="en-US" sz="1200" dirty="0">
+                <a:solidFill>
+                  <a:srgbClr val="000000"/>
+                </a:solidFill>
+                <a:latin typeface="Calibri" panose="020F0502020204030204" pitchFamily="34" charset="0"/>
+                <a:ea typeface="Calibri" panose="020F0502020204030204" pitchFamily="34" charset="0"/>
+                <a:cs typeface="Arial" panose="020B0604020202020204" pitchFamily="34" charset="0"/>
+              </a:rPr>
+              <a:t>,</a:t>
+            </a:r>
+            <a:br>
+              <a:rPr lang="en-US" sz="1200" dirty="0">
+                <a:solidFill>
+                  <a:srgbClr val="000000"/>
+                </a:solidFill>
+                <a:latin typeface="Calibri" panose="020F0502020204030204" pitchFamily="34" charset="0"/>
+                <a:ea typeface="Calibri" panose="020F0502020204030204" pitchFamily="34" charset="0"/>
+                <a:cs typeface="Arial" panose="020B0604020202020204" pitchFamily="34" charset="0"/>
+              </a:rPr>
+            </a:br>
+            <a:r>
+              <a:rPr lang="en-US" sz="1200" dirty="0">
+                <a:solidFill>
+                  <a:srgbClr val="000000"/>
+                </a:solidFill>
+                <a:latin typeface="Calibri" panose="020F0502020204030204" pitchFamily="34" charset="0"/>
+                <a:ea typeface="Calibri" panose="020F0502020204030204" pitchFamily="34" charset="0"/>
+                <a:cs typeface="Arial" panose="020B0604020202020204" pitchFamily="34" charset="0"/>
+              </a:rPr>
+              <a:t>      </a:t>
+            </a:r>
+            <a:r>
+              <a:rPr lang="en-US" sz="1200" i="1" dirty="0">
+                <a:solidFill>
+                  <a:srgbClr val="000000"/>
+                </a:solidFill>
+                <a:latin typeface="Calibri" panose="020F0502020204030204" pitchFamily="34" charset="0"/>
+                <a:ea typeface="Calibri" panose="020F0502020204030204" pitchFamily="34" charset="0"/>
+                <a:cs typeface="Arial" panose="020B0604020202020204" pitchFamily="34" charset="0"/>
+              </a:rPr>
+              <a:t>range</a:t>
+            </a:r>
+            <a:r>
+              <a:rPr lang="en-US" sz="1200" dirty="0">
                 <a:solidFill>
                   <a:srgbClr val="000000"/>
                 </a:solidFill>
@@ -15398,73 +16082,51 @@
               <a:t>(</a:t>
             </a:r>
             <a:r>
-              <a:rPr lang="en-US" sz="1400" dirty="0" err="1">
-                <a:solidFill>
-                  <a:srgbClr val="000000"/>
-                </a:solidFill>
-                <a:latin typeface="Calibri" panose="020F0502020204030204" pitchFamily="34" charset="0"/>
-                <a:ea typeface="Calibri" panose="020F0502020204030204" pitchFamily="34" charset="0"/>
-                <a:cs typeface="Arial" panose="020B0604020202020204" pitchFamily="34" charset="0"/>
-              </a:rPr>
-              <a:t>control.</a:t>
-            </a:r>
-            <a:r>
-              <a:rPr lang="en-US" sz="1400" b="1" dirty="0" err="1">
-                <a:solidFill>
-                  <a:srgbClr val="660E7A"/>
-                </a:solidFill>
-                <a:latin typeface="Calibri" panose="020F0502020204030204" pitchFamily="34" charset="0"/>
-                <a:ea typeface="Calibri" panose="020F0502020204030204" pitchFamily="34" charset="0"/>
-                <a:cs typeface="Arial" panose="020B0604020202020204" pitchFamily="34" charset="0"/>
-              </a:rPr>
-              <a:t>value</a:t>
-            </a:r>
-            <a:r>
-              <a:rPr lang="en-US" sz="1400" b="1" dirty="0">
-                <a:solidFill>
-                  <a:srgbClr val="660E7A"/>
-                </a:solidFill>
-                <a:latin typeface="Calibri" panose="020F0502020204030204" pitchFamily="34" charset="0"/>
-                <a:ea typeface="Calibri" panose="020F0502020204030204" pitchFamily="34" charset="0"/>
-                <a:cs typeface="Arial" panose="020B0604020202020204" pitchFamily="34" charset="0"/>
-              </a:rPr>
-              <a:t> </a:t>
-            </a:r>
-            <a:r>
-              <a:rPr lang="en-US" sz="1400" dirty="0">
-                <a:solidFill>
-                  <a:srgbClr val="000000"/>
-                </a:solidFill>
-                <a:latin typeface="Calibri" panose="020F0502020204030204" pitchFamily="34" charset="0"/>
-                <a:ea typeface="Calibri" panose="020F0502020204030204" pitchFamily="34" charset="0"/>
-                <a:cs typeface="Arial" panose="020B0604020202020204" pitchFamily="34" charset="0"/>
-              </a:rPr>
-              <a:t>== </a:t>
-            </a:r>
-            <a:r>
-              <a:rPr lang="en-US" sz="1400" b="1" dirty="0">
-                <a:solidFill>
-                  <a:srgbClr val="008000"/>
-                </a:solidFill>
-                <a:latin typeface="Calibri" panose="020F0502020204030204" pitchFamily="34" charset="0"/>
-                <a:ea typeface="Calibri" panose="020F0502020204030204" pitchFamily="34" charset="0"/>
-                <a:cs typeface="Arial" panose="020B0604020202020204" pitchFamily="34" charset="0"/>
-              </a:rPr>
-              <a:t>"11111"</a:t>
-            </a:r>
-            <a:r>
-              <a:rPr lang="en-US" sz="1400" dirty="0">
-                <a:solidFill>
-                  <a:srgbClr val="000000"/>
-                </a:solidFill>
-                <a:latin typeface="Calibri" panose="020F0502020204030204" pitchFamily="34" charset="0"/>
-                <a:ea typeface="Calibri" panose="020F0502020204030204" pitchFamily="34" charset="0"/>
-                <a:cs typeface="Arial" panose="020B0604020202020204" pitchFamily="34" charset="0"/>
-              </a:rPr>
-              <a:t>) {</a:t>
+              <a:rPr lang="en-US" sz="1200" dirty="0">
+                <a:solidFill>
+                  <a:srgbClr val="0000FF"/>
+                </a:solidFill>
+                <a:latin typeface="Calibri" panose="020F0502020204030204" pitchFamily="34" charset="0"/>
+                <a:ea typeface="Calibri" panose="020F0502020204030204" pitchFamily="34" charset="0"/>
+                <a:cs typeface="Arial" panose="020B0604020202020204" pitchFamily="34" charset="0"/>
+              </a:rPr>
+              <a:t>10</a:t>
+            </a:r>
+            <a:r>
+              <a:rPr lang="en-US" sz="1200" dirty="0">
+                <a:solidFill>
+                  <a:srgbClr val="000000"/>
+                </a:solidFill>
+                <a:latin typeface="Calibri" panose="020F0502020204030204" pitchFamily="34" charset="0"/>
+                <a:ea typeface="Calibri" panose="020F0502020204030204" pitchFamily="34" charset="0"/>
+                <a:cs typeface="Arial" panose="020B0604020202020204" pitchFamily="34" charset="0"/>
+              </a:rPr>
+              <a:t>, </a:t>
+            </a:r>
+            <a:r>
+              <a:rPr lang="en-US" sz="1200" dirty="0">
+                <a:solidFill>
+                  <a:srgbClr val="0000FF"/>
+                </a:solidFill>
+                <a:latin typeface="Calibri" panose="020F0502020204030204" pitchFamily="34" charset="0"/>
+                <a:ea typeface="Calibri" panose="020F0502020204030204" pitchFamily="34" charset="0"/>
+                <a:cs typeface="Arial" panose="020B0604020202020204" pitchFamily="34" charset="0"/>
+              </a:rPr>
+              <a:t>100</a:t>
+            </a:r>
+            <a:r>
+              <a:rPr lang="en-US" sz="1200" dirty="0">
+                <a:solidFill>
+                  <a:srgbClr val="000000"/>
+                </a:solidFill>
+                <a:latin typeface="Calibri" panose="020F0502020204030204" pitchFamily="34" charset="0"/>
+                <a:ea typeface="Calibri" panose="020F0502020204030204" pitchFamily="34" charset="0"/>
+                <a:cs typeface="Arial" panose="020B0604020202020204" pitchFamily="34" charset="0"/>
+              </a:rPr>
+              <a:t>),</a:t>
             </a:r>
             <a:br>
-              <a:rPr lang="en-US" sz="1400" dirty="0">
+              <a:rPr lang="en-US" sz="1200" dirty="0">
                 <a:solidFill>
                   <a:srgbClr val="000000"/>
                 </a:solidFill>
@@ -15474,40 +16136,18 @@
               </a:rPr>
             </a:br>
             <a:r>
-              <a:rPr lang="en-US" sz="1400" dirty="0">
-                <a:solidFill>
-                  <a:srgbClr val="000000"/>
-                </a:solidFill>
-                <a:latin typeface="Calibri" panose="020F0502020204030204" pitchFamily="34" charset="0"/>
-                <a:ea typeface="Calibri" panose="020F0502020204030204" pitchFamily="34" charset="0"/>
-                <a:cs typeface="Arial" panose="020B0604020202020204" pitchFamily="34" charset="0"/>
-              </a:rPr>
-              <a:t>    </a:t>
-            </a:r>
-            <a:r>
-              <a:rPr lang="en-US" sz="1400" b="1" dirty="0">
-                <a:solidFill>
-                  <a:srgbClr val="000080"/>
-                </a:solidFill>
-                <a:latin typeface="Calibri" panose="020F0502020204030204" pitchFamily="34" charset="0"/>
-                <a:ea typeface="Calibri" panose="020F0502020204030204" pitchFamily="34" charset="0"/>
-                <a:cs typeface="Arial" panose="020B0604020202020204" pitchFamily="34" charset="0"/>
-              </a:rPr>
-              <a:t>return null</a:t>
-            </a:r>
-            <a:r>
-              <a:rPr lang="en-US" sz="1400" dirty="0">
-                <a:solidFill>
-                  <a:srgbClr val="000000"/>
-                </a:solidFill>
-                <a:latin typeface="Calibri" panose="020F0502020204030204" pitchFamily="34" charset="0"/>
-                <a:ea typeface="Calibri" panose="020F0502020204030204" pitchFamily="34" charset="0"/>
-                <a:cs typeface="Arial" panose="020B0604020202020204" pitchFamily="34" charset="0"/>
-              </a:rPr>
-              <a:t>;</a:t>
+              <a:rPr lang="en-US" sz="1200" dirty="0">
+                <a:solidFill>
+                  <a:srgbClr val="000000"/>
+                </a:solidFill>
+                <a:latin typeface="Calibri" panose="020F0502020204030204" pitchFamily="34" charset="0"/>
+                <a:ea typeface="Calibri" panose="020F0502020204030204" pitchFamily="34" charset="0"/>
+                <a:cs typeface="Arial" panose="020B0604020202020204" pitchFamily="34" charset="0"/>
+              </a:rPr>
+              <a:t>    ]]</a:t>
             </a:r>
             <a:br>
-              <a:rPr lang="en-US" sz="1400" dirty="0">
+              <a:rPr lang="en-US" sz="1200" dirty="0">
                 <a:solidFill>
                   <a:srgbClr val="000000"/>
                 </a:solidFill>
@@ -15517,18 +16157,18 @@
               </a:rPr>
             </a:br>
             <a:r>
-              <a:rPr lang="en-US" sz="1400" dirty="0">
-                <a:solidFill>
-                  <a:srgbClr val="000000"/>
-                </a:solidFill>
-                <a:latin typeface="Calibri" panose="020F0502020204030204" pitchFamily="34" charset="0"/>
-                <a:ea typeface="Calibri" panose="020F0502020204030204" pitchFamily="34" charset="0"/>
-                <a:cs typeface="Arial" panose="020B0604020202020204" pitchFamily="34" charset="0"/>
-              </a:rPr>
-              <a:t>  }</a:t>
+              <a:rPr lang="en-US" sz="1200" dirty="0">
+                <a:solidFill>
+                  <a:srgbClr val="000000"/>
+                </a:solidFill>
+                <a:latin typeface="Calibri" panose="020F0502020204030204" pitchFamily="34" charset="0"/>
+                <a:ea typeface="Calibri" panose="020F0502020204030204" pitchFamily="34" charset="0"/>
+                <a:cs typeface="Arial" panose="020B0604020202020204" pitchFamily="34" charset="0"/>
+              </a:rPr>
+              <a:t>  });</a:t>
             </a:r>
             <a:br>
-              <a:rPr lang="en-US" sz="1400" dirty="0">
+              <a:rPr lang="en-US" sz="1200" dirty="0">
                 <a:solidFill>
                   <a:srgbClr val="000000"/>
                 </a:solidFill>
@@ -15537,105 +16177,8 @@
                 <a:cs typeface="Arial" panose="020B0604020202020204" pitchFamily="34" charset="0"/>
               </a:rPr>
             </a:br>
-            <a:br>
-              <a:rPr lang="en-US" sz="1400" dirty="0">
-                <a:solidFill>
-                  <a:srgbClr val="000000"/>
-                </a:solidFill>
-                <a:latin typeface="Calibri" panose="020F0502020204030204" pitchFamily="34" charset="0"/>
-                <a:ea typeface="Calibri" panose="020F0502020204030204" pitchFamily="34" charset="0"/>
-                <a:cs typeface="Arial" panose="020B0604020202020204" pitchFamily="34" charset="0"/>
-              </a:rPr>
-            </a:br>
-            <a:r>
-              <a:rPr lang="en-US" sz="1400" dirty="0">
-                <a:solidFill>
-                  <a:srgbClr val="000000"/>
-                </a:solidFill>
-                <a:latin typeface="Calibri" panose="020F0502020204030204" pitchFamily="34" charset="0"/>
-                <a:ea typeface="Calibri" panose="020F0502020204030204" pitchFamily="34" charset="0"/>
-                <a:cs typeface="Arial" panose="020B0604020202020204" pitchFamily="34" charset="0"/>
-              </a:rPr>
-              <a:t>  </a:t>
-            </a:r>
-            <a:r>
-              <a:rPr lang="en-US" sz="1400" b="1" dirty="0">
-                <a:solidFill>
-                  <a:srgbClr val="000080"/>
-                </a:solidFill>
-                <a:latin typeface="Calibri" panose="020F0502020204030204" pitchFamily="34" charset="0"/>
-                <a:ea typeface="Calibri" panose="020F0502020204030204" pitchFamily="34" charset="0"/>
-                <a:cs typeface="Arial" panose="020B0604020202020204" pitchFamily="34" charset="0"/>
-              </a:rPr>
-              <a:t>return </a:t>
-            </a:r>
-            <a:r>
-              <a:rPr lang="en-US" sz="1400" dirty="0">
-                <a:solidFill>
-                  <a:srgbClr val="000000"/>
-                </a:solidFill>
-                <a:latin typeface="Calibri" panose="020F0502020204030204" pitchFamily="34" charset="0"/>
-                <a:ea typeface="Calibri" panose="020F0502020204030204" pitchFamily="34" charset="0"/>
-                <a:cs typeface="Arial" panose="020B0604020202020204" pitchFamily="34" charset="0"/>
-              </a:rPr>
-              <a:t>{</a:t>
-            </a:r>
-            <a:r>
-              <a:rPr lang="en-US" sz="1400" b="1" dirty="0">
-                <a:solidFill>
-                  <a:srgbClr val="008000"/>
-                </a:solidFill>
-                <a:latin typeface="Calibri" panose="020F0502020204030204" pitchFamily="34" charset="0"/>
-                <a:ea typeface="Calibri" panose="020F0502020204030204" pitchFamily="34" charset="0"/>
-                <a:cs typeface="Arial" panose="020B0604020202020204" pitchFamily="34" charset="0"/>
-              </a:rPr>
-              <a:t>'xxx'</a:t>
-            </a:r>
-            <a:r>
-              <a:rPr lang="en-US" sz="1400" dirty="0">
-                <a:solidFill>
-                  <a:srgbClr val="000000"/>
-                </a:solidFill>
-                <a:latin typeface="Calibri" panose="020F0502020204030204" pitchFamily="34" charset="0"/>
-                <a:ea typeface="Calibri" panose="020F0502020204030204" pitchFamily="34" charset="0"/>
-                <a:cs typeface="Arial" panose="020B0604020202020204" pitchFamily="34" charset="0"/>
-              </a:rPr>
-              <a:t>: </a:t>
-            </a:r>
-            <a:r>
-              <a:rPr lang="en-US" sz="1400" b="1" dirty="0">
-                <a:solidFill>
-                  <a:srgbClr val="000080"/>
-                </a:solidFill>
-                <a:latin typeface="Calibri" panose="020F0502020204030204" pitchFamily="34" charset="0"/>
-                <a:ea typeface="Calibri" panose="020F0502020204030204" pitchFamily="34" charset="0"/>
-                <a:cs typeface="Arial" panose="020B0604020202020204" pitchFamily="34" charset="0"/>
-              </a:rPr>
-              <a:t>true</a:t>
-            </a:r>
-            <a:r>
-              <a:rPr lang="en-US" sz="1400" dirty="0">
-                <a:solidFill>
-                  <a:srgbClr val="000000"/>
-                </a:solidFill>
-                <a:latin typeface="Calibri" panose="020F0502020204030204" pitchFamily="34" charset="0"/>
-                <a:ea typeface="Calibri" panose="020F0502020204030204" pitchFamily="34" charset="0"/>
-                <a:cs typeface="Arial" panose="020B0604020202020204" pitchFamily="34" charset="0"/>
-              </a:rPr>
-              <a:t>};</a:t>
-            </a:r>
-            <a:br>
-              <a:rPr lang="en-US" sz="1400" dirty="0">
-                <a:solidFill>
-                  <a:srgbClr val="000000"/>
-                </a:solidFill>
-                <a:latin typeface="Calibri" panose="020F0502020204030204" pitchFamily="34" charset="0"/>
-                <a:ea typeface="Calibri" panose="020F0502020204030204" pitchFamily="34" charset="0"/>
-                <a:cs typeface="Arial" panose="020B0604020202020204" pitchFamily="34" charset="0"/>
-              </a:rPr>
-            </a:br>
-            <a:r>
-              <a:rPr lang="en-US" sz="1400" dirty="0">
+            <a:r>
+              <a:rPr lang="en-US" sz="1200" dirty="0">
                 <a:solidFill>
                   <a:srgbClr val="000000"/>
                 </a:solidFill>
@@ -15645,7 +16188,7 @@
               </a:rPr>
               <a:t>}</a:t>
             </a:r>
-            <a:endParaRPr lang="he-IL" sz="1400" dirty="0"/>
+            <a:endParaRPr lang="he-IL" sz="1200" dirty="0"/>
           </a:p>
         </p:txBody>
       </p:sp>
@@ -15681,6 +16224,161 @@
       </p:grpSpPr>
       <p:sp>
         <p:nvSpPr>
+          <p:cNvPr id="2" name="Title 1">
+            <a:extLst>
+              <a:ext uri="{FF2B5EF4-FFF2-40B4-BE49-F238E27FC236}">
+                <a16:creationId xmlns:a16="http://schemas.microsoft.com/office/drawing/2014/main" id="{788B9503-5089-4245-820E-7442E1123CE7}"/>
+              </a:ext>
+            </a:extLst>
+          </p:cNvPr>
+          <p:cNvSpPr>
+            <a:spLocks noGrp="1"/>
+          </p:cNvSpPr>
+          <p:nvPr>
+            <p:ph type="title"/>
+          </p:nvPr>
+        </p:nvSpPr>
+        <p:spPr/>
+        <p:txBody>
+          <a:bodyPr/>
+          <a:lstStyle/>
+          <a:p>
+            <a:r>
+              <a:rPr lang="en-US" dirty="0"/>
+              <a:t>Async Validator</a:t>
+            </a:r>
+            <a:endParaRPr lang="he-IL" dirty="0"/>
+          </a:p>
+        </p:txBody>
+      </p:sp>
+      <p:sp>
+        <p:nvSpPr>
+          <p:cNvPr id="3" name="Footer Placeholder 2">
+            <a:extLst>
+              <a:ext uri="{FF2B5EF4-FFF2-40B4-BE49-F238E27FC236}">
+                <a16:creationId xmlns:a16="http://schemas.microsoft.com/office/drawing/2014/main" id="{4D1FAF71-3B89-495D-90AC-4DE2C2EB94A5}"/>
+              </a:ext>
+            </a:extLst>
+          </p:cNvPr>
+          <p:cNvSpPr>
+            <a:spLocks noGrp="1"/>
+          </p:cNvSpPr>
+          <p:nvPr>
+            <p:ph type="ftr" sz="quarter" idx="11"/>
+          </p:nvPr>
+        </p:nvSpPr>
+        <p:spPr/>
+        <p:txBody>
+          <a:bodyPr/>
+          <a:lstStyle/>
+          <a:p>
+            <a:r>
+              <a:rPr lang="en-US"/>
+              <a:t>© 2016 Ori Calvo</a:t>
+            </a:r>
+            <a:endParaRPr lang="en-US" dirty="0"/>
+          </a:p>
+        </p:txBody>
+      </p:sp>
+      <p:sp>
+        <p:nvSpPr>
+          <p:cNvPr id="4" name="Slide Number Placeholder 3">
+            <a:extLst>
+              <a:ext uri="{FF2B5EF4-FFF2-40B4-BE49-F238E27FC236}">
+                <a16:creationId xmlns:a16="http://schemas.microsoft.com/office/drawing/2014/main" id="{B2A61861-703C-4462-A2AE-B781056F4672}"/>
+              </a:ext>
+            </a:extLst>
+          </p:cNvPr>
+          <p:cNvSpPr>
+            <a:spLocks noGrp="1"/>
+          </p:cNvSpPr>
+          <p:nvPr>
+            <p:ph type="sldNum" sz="quarter" idx="12"/>
+          </p:nvPr>
+        </p:nvSpPr>
+        <p:spPr/>
+        <p:txBody>
+          <a:bodyPr>
+            <a:normAutofit fontScale="85000" lnSpcReduction="20000"/>
+          </a:bodyPr>
+          <a:lstStyle/>
+          <a:p>
+            <a:fld id="{6EDEC3BC-0694-4586-AE63-02B4D54ABF43}" type="slidenum">
+              <a:rPr lang="en-US" smtClean="0"/>
+              <a:pPr/>
+              <a:t>22</a:t>
+            </a:fld>
+            <a:endParaRPr lang="en-US"/>
+          </a:p>
+        </p:txBody>
+      </p:sp>
+      <p:sp>
+        <p:nvSpPr>
+          <p:cNvPr id="5" name="Content Placeholder 4">
+            <a:extLst>
+              <a:ext uri="{FF2B5EF4-FFF2-40B4-BE49-F238E27FC236}">
+                <a16:creationId xmlns:a16="http://schemas.microsoft.com/office/drawing/2014/main" id="{61DE9EC2-EAD1-4DB0-BC06-BF7798470FA3}"/>
+              </a:ext>
+            </a:extLst>
+          </p:cNvPr>
+          <p:cNvSpPr>
+            <a:spLocks noGrp="1"/>
+          </p:cNvSpPr>
+          <p:nvPr>
+            <p:ph sz="quarter" idx="1"/>
+          </p:nvPr>
+        </p:nvSpPr>
+        <p:spPr/>
+        <p:txBody>
+          <a:bodyPr/>
+          <a:lstStyle/>
+          <a:p>
+            <a:r>
+              <a:rPr lang="en-US" dirty="0"/>
+              <a:t>Just like sync validator</a:t>
+            </a:r>
+          </a:p>
+          <a:p>
+            <a:r>
+              <a:rPr lang="en-US" dirty="0"/>
+              <a:t>Returns a promise/observable</a:t>
+            </a:r>
+            <a:endParaRPr lang="he-IL" dirty="0"/>
+          </a:p>
+        </p:txBody>
+      </p:sp>
+    </p:spTree>
+    <p:extLst>
+      <p:ext uri="{BB962C8B-B14F-4D97-AF65-F5344CB8AC3E}">
+        <p14:creationId xmlns:p14="http://schemas.microsoft.com/office/powerpoint/2010/main" val="3171841898"/>
+      </p:ext>
+    </p:extLst>
+  </p:cSld>
+  <p:clrMapOvr>
+    <a:masterClrMapping/>
+  </p:clrMapOvr>
+</p:sld>
+</file>
+
+<file path=ppt/slides/slide23.xml><?xml version="1.0" encoding="utf-8"?>
+<p:sld xmlns:a="http://schemas.openxmlformats.org/drawingml/2006/main" xmlns:r="http://schemas.openxmlformats.org/officeDocument/2006/relationships" xmlns:p="http://schemas.openxmlformats.org/presentationml/2006/main">
+  <p:cSld>
+    <p:spTree>
+      <p:nvGrpSpPr>
+        <p:cNvPr id="1" name=""/>
+        <p:cNvGrpSpPr/>
+        <p:nvPr/>
+      </p:nvGrpSpPr>
+      <p:grpSpPr>
+        <a:xfrm>
+          <a:off x="0" y="0"/>
+          <a:ext cx="0" cy="0"/>
+          <a:chOff x="0" y="0"/>
+          <a:chExt cx="0" cy="0"/>
+        </a:xfrm>
+      </p:grpSpPr>
+      <p:sp>
+        <p:nvSpPr>
           <p:cNvPr id="2" name="Title 1"/>
           <p:cNvSpPr>
             <a:spLocks noGrp="1"/>
@@ -15745,7 +16443,7 @@
             <a:fld id="{6EDEC3BC-0694-4586-AE63-02B4D54ABF43}" type="slidenum">
               <a:rPr lang="en-US" smtClean="0"/>
               <a:pPr/>
-              <a:t>22</a:t>
+              <a:t>23</a:t>
             </a:fld>
             <a:endParaRPr lang="en-US"/>
           </a:p>
@@ -15768,7 +16466,7 @@
           <a:p>
             <a:r>
               <a:rPr lang="en-US" dirty="0"/>
-              <a:t>You can subscribe to any change inside the </a:t>
+              <a:t>You can subscribe to any change inside a </a:t>
             </a:r>
             <a:r>
               <a:rPr lang="en-US" dirty="0" err="1"/>
@@ -17034,7 +17732,7 @@
 </p:sld>
 </file>
 
-<file path=ppt/slides/slide23.xml><?xml version="1.0" encoding="utf-8"?>
+<file path=ppt/slides/slide24.xml><?xml version="1.0" encoding="utf-8"?>
 <p:sld xmlns:a="http://schemas.openxmlformats.org/drawingml/2006/main" xmlns:r="http://schemas.openxmlformats.org/officeDocument/2006/relationships" xmlns:p="http://schemas.openxmlformats.org/presentationml/2006/main">
   <p:cSld>
     <p:spTree>
@@ -17067,8 +17765,8 @@
           <a:lstStyle/>
           <a:p>
             <a:r>
-              <a:rPr lang="en-US" dirty="0" err="1"/>
-              <a:t>Summry</a:t>
+              <a:rPr lang="en-US" dirty="0"/>
+              <a:t>Summary</a:t>
             </a:r>
             <a:endParaRPr lang="he-IL" dirty="0"/>
           </a:p>
@@ -17117,7 +17815,7 @@
             <a:fld id="{6EDEC3BC-0694-4586-AE63-02B4D54ABF43}" type="slidenum">
               <a:rPr lang="en-US" smtClean="0"/>
               <a:pPr/>
-              <a:t>23</a:t>
+              <a:t>24</a:t>
             </a:fld>
             <a:endParaRPr lang="en-US"/>
           </a:p>
@@ -17294,8 +17992,16 @@
           <a:lstStyle/>
           <a:p>
             <a:r>
+              <a:rPr lang="en-US" dirty="0">
+                <a:solidFill>
+                  <a:srgbClr val="FF0000"/>
+                </a:solidFill>
+              </a:rPr>
+              <a:t>Template driven </a:t>
+            </a:r>
+            <a:r>
               <a:rPr lang="en-US" dirty="0"/>
-              <a:t>Template driven approach simply infers the form structure directly from the DOM</a:t>
+              <a:t>approach simply infers the form structure directly from the DOM</a:t>
             </a:r>
           </a:p>
           <a:p>
@@ -17307,8 +18013,16 @@
           </a:p>
           <a:p>
             <a:r>
+              <a:rPr lang="en-US" dirty="0">
+                <a:solidFill>
+                  <a:srgbClr val="FF0000"/>
+                </a:solidFill>
+              </a:rPr>
+              <a:t>Reactive form </a:t>
+            </a:r>
+            <a:r>
               <a:rPr lang="en-US" dirty="0"/>
-              <a:t>Reactive form approach allows you to  programmatically define the form and synchronize it with the DOM</a:t>
+              <a:t>approach allows you to  programmatically define the form and synchronize it with the DOM</a:t>
             </a:r>
           </a:p>
           <a:p>
@@ -17442,10 +18156,26 @@
           <a:p>
             <a:r>
               <a:rPr lang="en-US" dirty="0"/>
-              <a:t>Start by installing @angular/form and add </a:t>
-            </a:r>
-            <a:r>
-              <a:rPr lang="en-US" dirty="0" err="1"/>
+              <a:t>Start by installing </a:t>
+            </a:r>
+            <a:r>
+              <a:rPr lang="en-US" dirty="0">
+                <a:solidFill>
+                  <a:srgbClr val="FF0000"/>
+                </a:solidFill>
+              </a:rPr>
+              <a:t>@angular/forms </a:t>
+            </a:r>
+            <a:r>
+              <a:rPr lang="en-US" dirty="0"/>
+              <a:t>and add </a:t>
+            </a:r>
+            <a:r>
+              <a:rPr lang="en-US" dirty="0" err="1">
+                <a:solidFill>
+                  <a:srgbClr val="FF0000"/>
+                </a:solidFill>
+              </a:rPr>
               <a:t>FormModule</a:t>
             </a:r>
             <a:r>
@@ -17928,11 +18658,11 @@
           <a:p>
             <a:r>
               <a:rPr lang="en-US" dirty="0"/>
-              <a:t>It means that two way data binding can be used only when the directive support that </a:t>
+              <a:t>It means that two way data binding can be used only when the directive supports that </a:t>
             </a:r>
             <a:r>
               <a:rPr lang="en-US" dirty="0" err="1"/>
-              <a:t>conenvtion</a:t>
+              <a:t>convenvtion</a:t>
             </a:r>
             <a:endParaRPr lang="he-IL" dirty="0"/>
           </a:p>
@@ -18387,7 +19117,11 @@
           <a:lstStyle/>
           <a:p>
             <a:r>
-              <a:rPr lang="en-US" dirty="0" err="1"/>
+              <a:rPr lang="en-US" dirty="0" err="1">
+                <a:solidFill>
+                  <a:srgbClr val="FF0000"/>
+                </a:solidFill>
+              </a:rPr>
               <a:t>ngModel</a:t>
             </a:r>
             <a:r>
@@ -20033,28 +20767,14 @@
           <a:p>
             <a:r>
               <a:rPr lang="en-US" dirty="0"/>
-              <a:t>Do not use CSS classes for conditional display</a:t>
-            </a:r>
-          </a:p>
-          <a:p>
-            <a:r>
-              <a:rPr lang="en-US" dirty="0" err="1"/>
-              <a:t>ngModel</a:t>
-            </a:r>
-            <a:r>
-              <a:rPr lang="en-US" dirty="0"/>
-              <a:t> offers a simple API for querying validation flags</a:t>
-            </a:r>
-          </a:p>
-          <a:p>
+              <a:t>Validation bits can be used directly inside the template</a:t>
+            </a:r>
+          </a:p>
+          <a:p>
+            <a:pPr marL="0" indent="0">
+              <a:buNone/>
+            </a:pPr>
             <a:endParaRPr lang="en-US" dirty="0"/>
-          </a:p>
-          <a:p>
-            <a:r>
-              <a:rPr lang="en-US" dirty="0"/>
-              <a:t>Use the flags</a:t>
-            </a:r>
-            <a:endParaRPr lang="he-IL" dirty="0"/>
           </a:p>
         </p:txBody>
       </p:sp>
@@ -20066,7 +20786,7 @@
         </p:nvSpPr>
         <p:spPr>
           <a:xfrm>
-            <a:off x="2061056" y="3284984"/>
+            <a:off x="1943708" y="2665003"/>
             <a:ext cx="5256584" cy="307777"/>
           </a:xfrm>
           <a:prstGeom prst="rect">
@@ -20273,7 +20993,7 @@
         </p:nvSpPr>
         <p:spPr>
           <a:xfrm>
-            <a:off x="1052944" y="4653136"/>
+            <a:off x="935596" y="3478768"/>
             <a:ext cx="7272808" cy="738664"/>
           </a:xfrm>
           <a:prstGeom prst="rect">
